--- a/Class Design.pptx
+++ b/Class Design.pptx
@@ -3505,6 +3505,42 @@
           <a:chExt cx="0" cy="0"/>
         </a:xfrm>
       </p:grpSpPr>
+      <p:pic>
+        <p:nvPicPr>
+          <p:cNvPr id="4" name="그림 3">
+            <a:extLst>
+              <a:ext uri="{FF2B5EF4-FFF2-40B4-BE49-F238E27FC236}">
+                <a16:creationId xmlns:a16="http://schemas.microsoft.com/office/drawing/2014/main" id="{5342425B-55DE-418B-9A80-F0F5ABF369B4}"/>
+              </a:ext>
+            </a:extLst>
+          </p:cNvPr>
+          <p:cNvPicPr>
+            <a:picLocks noChangeAspect="1"/>
+          </p:cNvPicPr>
+          <p:nvPr/>
+        </p:nvPicPr>
+        <p:blipFill>
+          <a:blip r:embed="rId2">
+            <a:extLst>
+              <a:ext uri="{28A0092B-C50C-407E-A947-70E740481C1C}">
+                <a14:useLocalDpi xmlns:a14="http://schemas.microsoft.com/office/drawing/2010/main" val="0"/>
+              </a:ext>
+            </a:extLst>
+          </a:blip>
+          <a:stretch>
+            <a:fillRect/>
+          </a:stretch>
+        </p:blipFill>
+        <p:spPr>
+          <a:xfrm>
+            <a:off x="111171" y="825835"/>
+            <a:ext cx="8921658" cy="5529245"/>
+          </a:xfrm>
+          <a:prstGeom prst="rect">
+            <a:avLst/>
+          </a:prstGeom>
+        </p:spPr>
+      </p:pic>
       <p:sp>
         <p:nvSpPr>
           <p:cNvPr id="2" name="바닥글 개체 틀 1"/>
@@ -3537,36 +3573,6 @@
           </a:p>
         </p:txBody>
       </p:sp>
-      <p:pic>
-        <p:nvPicPr>
-          <p:cNvPr id="8" name="그림 7">
-            <a:extLst>
-              <a:ext uri="{FF2B5EF4-FFF2-40B4-BE49-F238E27FC236}">
-                <a16:creationId xmlns:a16="http://schemas.microsoft.com/office/drawing/2014/main" id="{2AB64680-9CAC-4025-84CD-3442D0A07E1B}"/>
-              </a:ext>
-            </a:extLst>
-          </p:cNvPr>
-          <p:cNvPicPr>
-            <a:picLocks noChangeAspect="1"/>
-          </p:cNvPicPr>
-          <p:nvPr/>
-        </p:nvPicPr>
-        <p:blipFill>
-          <a:blip r:embed="rId2"/>
-          <a:stretch>
-            <a:fillRect/>
-          </a:stretch>
-        </p:blipFill>
-        <p:spPr>
-          <a:xfrm>
-            <a:off x="116237" y="882710"/>
-            <a:ext cx="8857282" cy="5406574"/>
-          </a:xfrm>
-          <a:prstGeom prst="rect">
-            <a:avLst/>
-          </a:prstGeom>
-        </p:spPr>
-      </p:pic>
       <p:graphicFrame>
         <p:nvGraphicFramePr>
           <p:cNvPr id="9" name="표 8">

--- a/Class Design.pptx
+++ b/Class Design.pptx
@@ -882,6 +882,176 @@
     </a:lvl9pPr>
   </p:notesStyle>
 </p:notesMaster>
+</file>
+
+<file path=ppt/notesSlides/notesSlide1.xml><?xml version="1.0" encoding="utf-8"?>
+<p:notes xmlns:a="http://schemas.openxmlformats.org/drawingml/2006/main" xmlns:r="http://schemas.openxmlformats.org/officeDocument/2006/relationships" xmlns:p="http://schemas.openxmlformats.org/presentationml/2006/main">
+  <p:cSld>
+    <p:spTree>
+      <p:nvGrpSpPr>
+        <p:cNvPr id="1" name=""/>
+        <p:cNvGrpSpPr/>
+        <p:nvPr/>
+      </p:nvGrpSpPr>
+      <p:grpSpPr>
+        <a:xfrm>
+          <a:off x="0" y="0"/>
+          <a:ext cx="0" cy="0"/>
+          <a:chOff x="0" y="0"/>
+          <a:chExt cx="0" cy="0"/>
+        </a:xfrm>
+      </p:grpSpPr>
+      <p:sp>
+        <p:nvSpPr>
+          <p:cNvPr id="2" name="슬라이드 이미지 개체 틀 1"/>
+          <p:cNvSpPr>
+            <a:spLocks noGrp="1" noRot="1" noChangeAspect="1"/>
+          </p:cNvSpPr>
+          <p:nvPr>
+            <p:ph type="sldImg"/>
+          </p:nvPr>
+        </p:nvSpPr>
+        <p:spPr/>
+      </p:sp>
+      <p:sp>
+        <p:nvSpPr>
+          <p:cNvPr id="3" name="슬라이드 노트 개체 틀 2"/>
+          <p:cNvSpPr>
+            <a:spLocks noGrp="1"/>
+          </p:cNvSpPr>
+          <p:nvPr>
+            <p:ph type="body" idx="1"/>
+          </p:nvPr>
+        </p:nvSpPr>
+        <p:spPr/>
+        <p:txBody>
+          <a:bodyPr/>
+          <a:lstStyle/>
+          <a:p>
+            <a:endParaRPr lang="ko-KR" altLang="en-US" dirty="0"/>
+          </a:p>
+        </p:txBody>
+      </p:sp>
+      <p:sp>
+        <p:nvSpPr>
+          <p:cNvPr id="4" name="슬라이드 번호 개체 틀 3"/>
+          <p:cNvSpPr>
+            <a:spLocks noGrp="1"/>
+          </p:cNvSpPr>
+          <p:nvPr>
+            <p:ph type="sldNum" sz="quarter" idx="5"/>
+          </p:nvPr>
+        </p:nvSpPr>
+        <p:spPr/>
+        <p:txBody>
+          <a:bodyPr/>
+          <a:lstStyle/>
+          <a:p>
+            <a:fld id="{379E618C-E705-4CD1-A19E-88052652622A}" type="slidenum">
+              <a:rPr lang="en-US" smtClean="0"/>
+              <a:pPr/>
+              <a:t>17</a:t>
+            </a:fld>
+            <a:endParaRPr lang="en-US"/>
+          </a:p>
+        </p:txBody>
+      </p:sp>
+    </p:spTree>
+    <p:extLst>
+      <p:ext uri="{BB962C8B-B14F-4D97-AF65-F5344CB8AC3E}">
+        <p14:creationId xmlns:p14="http://schemas.microsoft.com/office/powerpoint/2010/main" val="2559088295"/>
+      </p:ext>
+    </p:extLst>
+  </p:cSld>
+  <p:clrMapOvr>
+    <a:masterClrMapping/>
+  </p:clrMapOvr>
+</p:notes>
+</file>
+
+<file path=ppt/notesSlides/notesSlide2.xml><?xml version="1.0" encoding="utf-8"?>
+<p:notes xmlns:a="http://schemas.openxmlformats.org/drawingml/2006/main" xmlns:r="http://schemas.openxmlformats.org/officeDocument/2006/relationships" xmlns:p="http://schemas.openxmlformats.org/presentationml/2006/main">
+  <p:cSld>
+    <p:spTree>
+      <p:nvGrpSpPr>
+        <p:cNvPr id="1" name=""/>
+        <p:cNvGrpSpPr/>
+        <p:nvPr/>
+      </p:nvGrpSpPr>
+      <p:grpSpPr>
+        <a:xfrm>
+          <a:off x="0" y="0"/>
+          <a:ext cx="0" cy="0"/>
+          <a:chOff x="0" y="0"/>
+          <a:chExt cx="0" cy="0"/>
+        </a:xfrm>
+      </p:grpSpPr>
+      <p:sp>
+        <p:nvSpPr>
+          <p:cNvPr id="2" name="슬라이드 이미지 개체 틀 1"/>
+          <p:cNvSpPr>
+            <a:spLocks noGrp="1" noRot="1" noChangeAspect="1"/>
+          </p:cNvSpPr>
+          <p:nvPr>
+            <p:ph type="sldImg"/>
+          </p:nvPr>
+        </p:nvSpPr>
+        <p:spPr/>
+      </p:sp>
+      <p:sp>
+        <p:nvSpPr>
+          <p:cNvPr id="3" name="슬라이드 노트 개체 틀 2"/>
+          <p:cNvSpPr>
+            <a:spLocks noGrp="1"/>
+          </p:cNvSpPr>
+          <p:nvPr>
+            <p:ph type="body" idx="1"/>
+          </p:nvPr>
+        </p:nvSpPr>
+        <p:spPr/>
+        <p:txBody>
+          <a:bodyPr/>
+          <a:lstStyle/>
+          <a:p>
+            <a:endParaRPr lang="ko-KR" altLang="en-US" dirty="0"/>
+          </a:p>
+        </p:txBody>
+      </p:sp>
+      <p:sp>
+        <p:nvSpPr>
+          <p:cNvPr id="4" name="슬라이드 번호 개체 틀 3"/>
+          <p:cNvSpPr>
+            <a:spLocks noGrp="1"/>
+          </p:cNvSpPr>
+          <p:nvPr>
+            <p:ph type="sldNum" sz="quarter" idx="5"/>
+          </p:nvPr>
+        </p:nvSpPr>
+        <p:spPr/>
+        <p:txBody>
+          <a:bodyPr/>
+          <a:lstStyle/>
+          <a:p>
+            <a:fld id="{379E618C-E705-4CD1-A19E-88052652622A}" type="slidenum">
+              <a:rPr lang="en-US" smtClean="0"/>
+              <a:pPr/>
+              <a:t>18</a:t>
+            </a:fld>
+            <a:endParaRPr lang="en-US"/>
+          </a:p>
+        </p:txBody>
+      </p:sp>
+    </p:spTree>
+    <p:extLst>
+      <p:ext uri="{BB962C8B-B14F-4D97-AF65-F5344CB8AC3E}">
+        <p14:creationId xmlns:p14="http://schemas.microsoft.com/office/powerpoint/2010/main" val="209397124"/>
+      </p:ext>
+    </p:extLst>
+  </p:cSld>
+  <p:clrMapOvr>
+    <a:masterClrMapping/>
+  </p:clrMapOvr>
+</p:notes>
 </file>
 
 <file path=ppt/slideLayouts/slideLayout1.xml><?xml version="1.0" encoding="utf-8"?>
@@ -3290,6 +3460,42 @@
           <a:chExt cx="0" cy="0"/>
         </a:xfrm>
       </p:grpSpPr>
+      <p:pic>
+        <p:nvPicPr>
+          <p:cNvPr id="4" name="그림 3">
+            <a:extLst>
+              <a:ext uri="{FF2B5EF4-FFF2-40B4-BE49-F238E27FC236}">
+                <a16:creationId xmlns:a16="http://schemas.microsoft.com/office/drawing/2014/main" id="{0401F913-B7BC-45A6-A4D2-F1250C5338F0}"/>
+              </a:ext>
+            </a:extLst>
+          </p:cNvPr>
+          <p:cNvPicPr>
+            <a:picLocks noChangeAspect="1"/>
+          </p:cNvPicPr>
+          <p:nvPr/>
+        </p:nvPicPr>
+        <p:blipFill>
+          <a:blip r:embed="rId2">
+            <a:extLst>
+              <a:ext uri="{28A0092B-C50C-407E-A947-70E740481C1C}">
+                <a14:useLocalDpi xmlns:a14="http://schemas.microsoft.com/office/drawing/2010/main" val="0"/>
+              </a:ext>
+            </a:extLst>
+          </a:blip>
+          <a:stretch>
+            <a:fillRect/>
+          </a:stretch>
+        </p:blipFill>
+        <p:spPr>
+          <a:xfrm>
+            <a:off x="103421" y="971375"/>
+            <a:ext cx="8899667" cy="5417822"/>
+          </a:xfrm>
+          <a:prstGeom prst="rect">
+            <a:avLst/>
+          </a:prstGeom>
+        </p:spPr>
+      </p:pic>
       <p:sp>
         <p:nvSpPr>
           <p:cNvPr id="2" name="바닥글 개체 틀 1"/>
@@ -3322,36 +3528,6 @@
           </a:p>
         </p:txBody>
       </p:sp>
-      <p:pic>
-        <p:nvPicPr>
-          <p:cNvPr id="5" name="그림 4">
-            <a:extLst>
-              <a:ext uri="{FF2B5EF4-FFF2-40B4-BE49-F238E27FC236}">
-                <a16:creationId xmlns:a16="http://schemas.microsoft.com/office/drawing/2014/main" id="{6C7F4936-67AD-49A0-AF44-EC128058E4C0}"/>
-              </a:ext>
-            </a:extLst>
-          </p:cNvPr>
-          <p:cNvPicPr>
-            <a:picLocks noChangeAspect="1"/>
-          </p:cNvPicPr>
-          <p:nvPr/>
-        </p:nvPicPr>
-        <p:blipFill>
-          <a:blip r:embed="rId2"/>
-          <a:stretch>
-            <a:fillRect/>
-          </a:stretch>
-        </p:blipFill>
-        <p:spPr>
-          <a:xfrm>
-            <a:off x="162732" y="870857"/>
-            <a:ext cx="8844587" cy="5498946"/>
-          </a:xfrm>
-          <a:prstGeom prst="rect">
-            <a:avLst/>
-          </a:prstGeom>
-        </p:spPr>
-      </p:pic>
       <p:graphicFrame>
         <p:nvGraphicFramePr>
           <p:cNvPr id="6" name="표 5">
@@ -3507,10 +3683,10 @@
       </p:grpSpPr>
       <p:pic>
         <p:nvPicPr>
-          <p:cNvPr id="4" name="그림 3">
+          <p:cNvPr id="10" name="그림 9">
             <a:extLst>
               <a:ext uri="{FF2B5EF4-FFF2-40B4-BE49-F238E27FC236}">
-                <a16:creationId xmlns:a16="http://schemas.microsoft.com/office/drawing/2014/main" id="{5342425B-55DE-418B-9A80-F0F5ABF369B4}"/>
+                <a16:creationId xmlns:a16="http://schemas.microsoft.com/office/drawing/2014/main" id="{6B25BEF0-5C90-492E-9583-2ECFF8BF2461}"/>
               </a:ext>
             </a:extLst>
           </p:cNvPr>
@@ -3533,8 +3709,8 @@
         </p:blipFill>
         <p:spPr>
           <a:xfrm>
-            <a:off x="111171" y="825835"/>
-            <a:ext cx="8921658" cy="5529245"/>
+            <a:off x="111171" y="833672"/>
+            <a:ext cx="8921658" cy="5630628"/>
           </a:xfrm>
           <a:prstGeom prst="rect">
             <a:avLst/>
@@ -3726,6 +3902,42 @@
           <a:chExt cx="0" cy="0"/>
         </a:xfrm>
       </p:grpSpPr>
+      <p:pic>
+        <p:nvPicPr>
+          <p:cNvPr id="4" name="그림 3">
+            <a:extLst>
+              <a:ext uri="{FF2B5EF4-FFF2-40B4-BE49-F238E27FC236}">
+                <a16:creationId xmlns:a16="http://schemas.microsoft.com/office/drawing/2014/main" id="{58D1EB67-1871-4335-86E8-E2F228552969}"/>
+              </a:ext>
+            </a:extLst>
+          </p:cNvPr>
+          <p:cNvPicPr>
+            <a:picLocks noChangeAspect="1"/>
+          </p:cNvPicPr>
+          <p:nvPr/>
+        </p:nvPicPr>
+        <p:blipFill>
+          <a:blip r:embed="rId2">
+            <a:extLst>
+              <a:ext uri="{28A0092B-C50C-407E-A947-70E740481C1C}">
+                <a14:useLocalDpi xmlns:a14="http://schemas.microsoft.com/office/drawing/2010/main" val="0"/>
+              </a:ext>
+            </a:extLst>
+          </a:blip>
+          <a:stretch>
+            <a:fillRect/>
+          </a:stretch>
+        </p:blipFill>
+        <p:spPr>
+          <a:xfrm>
+            <a:off x="103422" y="818086"/>
+            <a:ext cx="8937156" cy="5555461"/>
+          </a:xfrm>
+          <a:prstGeom prst="rect">
+            <a:avLst/>
+          </a:prstGeom>
+        </p:spPr>
+      </p:pic>
       <p:sp>
         <p:nvSpPr>
           <p:cNvPr id="2" name="바닥글 개체 틀 1"/>
@@ -3758,36 +3970,6 @@
           </a:p>
         </p:txBody>
       </p:sp>
-      <p:pic>
-        <p:nvPicPr>
-          <p:cNvPr id="5" name="그림 4">
-            <a:extLst>
-              <a:ext uri="{FF2B5EF4-FFF2-40B4-BE49-F238E27FC236}">
-                <a16:creationId xmlns:a16="http://schemas.microsoft.com/office/drawing/2014/main" id="{6C0F8985-E90A-4A48-B6EF-6F5AFB53FD8F}"/>
-              </a:ext>
-            </a:extLst>
-          </p:cNvPr>
-          <p:cNvPicPr>
-            <a:picLocks noChangeAspect="1"/>
-          </p:cNvPicPr>
-          <p:nvPr/>
-        </p:nvPicPr>
-        <p:blipFill>
-          <a:blip r:embed="rId2"/>
-          <a:stretch>
-            <a:fillRect/>
-          </a:stretch>
-        </p:blipFill>
-        <p:spPr>
-          <a:xfrm>
-            <a:off x="154983" y="852701"/>
-            <a:ext cx="8787539" cy="5445932"/>
-          </a:xfrm>
-          <a:prstGeom prst="rect">
-            <a:avLst/>
-          </a:prstGeom>
-        </p:spPr>
-      </p:pic>
       <p:graphicFrame>
         <p:nvGraphicFramePr>
           <p:cNvPr id="6" name="표 5">
@@ -3941,6 +4123,42 @@
           <a:chExt cx="0" cy="0"/>
         </a:xfrm>
       </p:grpSpPr>
+      <p:pic>
+        <p:nvPicPr>
+          <p:cNvPr id="4" name="그림 3">
+            <a:extLst>
+              <a:ext uri="{FF2B5EF4-FFF2-40B4-BE49-F238E27FC236}">
+                <a16:creationId xmlns:a16="http://schemas.microsoft.com/office/drawing/2014/main" id="{46F3594F-2F9D-4C2A-A47C-4823C4635900}"/>
+              </a:ext>
+            </a:extLst>
+          </p:cNvPr>
+          <p:cNvPicPr>
+            <a:picLocks noChangeAspect="1"/>
+          </p:cNvPicPr>
+          <p:nvPr/>
+        </p:nvPicPr>
+        <p:blipFill>
+          <a:blip r:embed="rId2">
+            <a:extLst>
+              <a:ext uri="{28A0092B-C50C-407E-A947-70E740481C1C}">
+                <a14:useLocalDpi xmlns:a14="http://schemas.microsoft.com/office/drawing/2010/main" val="0"/>
+              </a:ext>
+            </a:extLst>
+          </a:blip>
+          <a:stretch>
+            <a:fillRect/>
+          </a:stretch>
+        </p:blipFill>
+        <p:spPr>
+          <a:xfrm>
+            <a:off x="239843" y="1124664"/>
+            <a:ext cx="8800734" cy="5216175"/>
+          </a:xfrm>
+          <a:prstGeom prst="rect">
+            <a:avLst/>
+          </a:prstGeom>
+        </p:spPr>
+      </p:pic>
       <p:sp>
         <p:nvSpPr>
           <p:cNvPr id="2" name="바닥글 개체 틀 1"/>
@@ -3973,36 +4191,6 @@
           </a:p>
         </p:txBody>
       </p:sp>
-      <p:pic>
-        <p:nvPicPr>
-          <p:cNvPr id="6" name="그림 5">
-            <a:extLst>
-              <a:ext uri="{FF2B5EF4-FFF2-40B4-BE49-F238E27FC236}">
-                <a16:creationId xmlns:a16="http://schemas.microsoft.com/office/drawing/2014/main" id="{005DF913-6B5F-457C-B9A5-F220F318C294}"/>
-              </a:ext>
-            </a:extLst>
-          </p:cNvPr>
-          <p:cNvPicPr>
-            <a:picLocks noChangeAspect="1"/>
-          </p:cNvPicPr>
-          <p:nvPr/>
-        </p:nvPicPr>
-        <p:blipFill>
-          <a:blip r:embed="rId2"/>
-          <a:stretch>
-            <a:fillRect/>
-          </a:stretch>
-        </p:blipFill>
-        <p:spPr>
-          <a:xfrm>
-            <a:off x="182752" y="914400"/>
-            <a:ext cx="8783017" cy="5416818"/>
-          </a:xfrm>
-          <a:prstGeom prst="rect">
-            <a:avLst/>
-          </a:prstGeom>
-        </p:spPr>
-      </p:pic>
       <p:graphicFrame>
         <p:nvGraphicFramePr>
           <p:cNvPr id="7" name="표 6">
@@ -4188,36 +4376,6 @@
           </a:p>
         </p:txBody>
       </p:sp>
-      <p:pic>
-        <p:nvPicPr>
-          <p:cNvPr id="5" name="그림 4">
-            <a:extLst>
-              <a:ext uri="{FF2B5EF4-FFF2-40B4-BE49-F238E27FC236}">
-                <a16:creationId xmlns:a16="http://schemas.microsoft.com/office/drawing/2014/main" id="{283817B4-01FF-448B-8430-813A970DF59E}"/>
-              </a:ext>
-            </a:extLst>
-          </p:cNvPr>
-          <p:cNvPicPr>
-            <a:picLocks noChangeAspect="1"/>
-          </p:cNvPicPr>
-          <p:nvPr/>
-        </p:nvPicPr>
-        <p:blipFill>
-          <a:blip r:embed="rId2"/>
-          <a:stretch>
-            <a:fillRect/>
-          </a:stretch>
-        </p:blipFill>
-        <p:spPr>
-          <a:xfrm>
-            <a:off x="136258" y="839639"/>
-            <a:ext cx="8868257" cy="5500977"/>
-          </a:xfrm>
-          <a:prstGeom prst="rect">
-            <a:avLst/>
-          </a:prstGeom>
-        </p:spPr>
-      </p:pic>
       <p:graphicFrame>
         <p:nvGraphicFramePr>
           <p:cNvPr id="6" name="표 5">
@@ -4341,6 +4499,42 @@
           </a:graphicData>
         </a:graphic>
       </p:graphicFrame>
+      <p:pic>
+        <p:nvPicPr>
+          <p:cNvPr id="4" name="그림 3">
+            <a:extLst>
+              <a:ext uri="{FF2B5EF4-FFF2-40B4-BE49-F238E27FC236}">
+                <a16:creationId xmlns:a16="http://schemas.microsoft.com/office/drawing/2014/main" id="{743E09C1-0F17-4DF1-812A-463E975D9FEF}"/>
+              </a:ext>
+            </a:extLst>
+          </p:cNvPr>
+          <p:cNvPicPr>
+            <a:picLocks noChangeAspect="1"/>
+          </p:cNvPicPr>
+          <p:nvPr/>
+        </p:nvPicPr>
+        <p:blipFill>
+          <a:blip r:embed="rId2">
+            <a:extLst>
+              <a:ext uri="{28A0092B-C50C-407E-A947-70E740481C1C}">
+                <a14:useLocalDpi xmlns:a14="http://schemas.microsoft.com/office/drawing/2010/main" val="0"/>
+              </a:ext>
+            </a:extLst>
+          </a:blip>
+          <a:stretch>
+            <a:fillRect/>
+          </a:stretch>
+        </p:blipFill>
+        <p:spPr>
+          <a:xfrm>
+            <a:off x="111170" y="1116915"/>
+            <a:ext cx="8867937" cy="5223691"/>
+          </a:xfrm>
+          <a:prstGeom prst="rect">
+            <a:avLst/>
+          </a:prstGeom>
+        </p:spPr>
+      </p:pic>
     </p:spTree>
     <p:extLst>
       <p:ext uri="{BB962C8B-B14F-4D97-AF65-F5344CB8AC3E}">
@@ -4823,6 +5017,42 @@
           <a:chExt cx="0" cy="0"/>
         </a:xfrm>
       </p:grpSpPr>
+      <p:pic>
+        <p:nvPicPr>
+          <p:cNvPr id="4" name="그림 3">
+            <a:extLst>
+              <a:ext uri="{FF2B5EF4-FFF2-40B4-BE49-F238E27FC236}">
+                <a16:creationId xmlns:a16="http://schemas.microsoft.com/office/drawing/2014/main" id="{F3E7C03D-95DE-422E-AFFD-02AFC8CFC880}"/>
+              </a:ext>
+            </a:extLst>
+          </p:cNvPr>
+          <p:cNvPicPr>
+            <a:picLocks noChangeAspect="1"/>
+          </p:cNvPicPr>
+          <p:nvPr/>
+        </p:nvPicPr>
+        <p:blipFill>
+          <a:blip r:embed="rId3">
+            <a:extLst>
+              <a:ext uri="{28A0092B-C50C-407E-A947-70E740481C1C}">
+                <a14:useLocalDpi xmlns:a14="http://schemas.microsoft.com/office/drawing/2010/main" val="0"/>
+              </a:ext>
+            </a:extLst>
+          </a:blip>
+          <a:stretch>
+            <a:fillRect/>
+          </a:stretch>
+        </p:blipFill>
+        <p:spPr>
+          <a:xfrm>
+            <a:off x="111171" y="979124"/>
+            <a:ext cx="8921658" cy="5296359"/>
+          </a:xfrm>
+          <a:prstGeom prst="rect">
+            <a:avLst/>
+          </a:prstGeom>
+        </p:spPr>
+      </p:pic>
       <p:sp>
         <p:nvSpPr>
           <p:cNvPr id="2" name="바닥글 개체 틀 1"/>
@@ -4855,36 +5085,6 @@
           </a:p>
         </p:txBody>
       </p:sp>
-      <p:pic>
-        <p:nvPicPr>
-          <p:cNvPr id="5" name="그림 4">
-            <a:extLst>
-              <a:ext uri="{FF2B5EF4-FFF2-40B4-BE49-F238E27FC236}">
-                <a16:creationId xmlns:a16="http://schemas.microsoft.com/office/drawing/2014/main" id="{FA523F29-0F8D-460E-A21C-80E809BF8144}"/>
-              </a:ext>
-            </a:extLst>
-          </p:cNvPr>
-          <p:cNvPicPr>
-            <a:picLocks noChangeAspect="1"/>
-          </p:cNvPicPr>
-          <p:nvPr/>
-        </p:nvPicPr>
-        <p:blipFill>
-          <a:blip r:embed="rId2"/>
-          <a:stretch>
-            <a:fillRect/>
-          </a:stretch>
-        </p:blipFill>
-        <p:spPr>
-          <a:xfrm>
-            <a:off x="145241" y="851072"/>
-            <a:ext cx="8853517" cy="5486522"/>
-          </a:xfrm>
-          <a:prstGeom prst="rect">
-            <a:avLst/>
-          </a:prstGeom>
-        </p:spPr>
-      </p:pic>
       <p:graphicFrame>
         <p:nvGraphicFramePr>
           <p:cNvPr id="6" name="표 5">
@@ -5038,6 +5238,42 @@
           <a:chExt cx="0" cy="0"/>
         </a:xfrm>
       </p:grpSpPr>
+      <p:pic>
+        <p:nvPicPr>
+          <p:cNvPr id="4" name="그림 3">
+            <a:extLst>
+              <a:ext uri="{FF2B5EF4-FFF2-40B4-BE49-F238E27FC236}">
+                <a16:creationId xmlns:a16="http://schemas.microsoft.com/office/drawing/2014/main" id="{FD34CBCB-28D0-418F-8858-3C94193DE919}"/>
+              </a:ext>
+            </a:extLst>
+          </p:cNvPr>
+          <p:cNvPicPr>
+            <a:picLocks noChangeAspect="1"/>
+          </p:cNvPicPr>
+          <p:nvPr/>
+        </p:nvPicPr>
+        <p:blipFill>
+          <a:blip r:embed="rId3">
+            <a:extLst>
+              <a:ext uri="{28A0092B-C50C-407E-A947-70E740481C1C}">
+                <a14:useLocalDpi xmlns:a14="http://schemas.microsoft.com/office/drawing/2010/main" val="0"/>
+              </a:ext>
+            </a:extLst>
+          </a:blip>
+          <a:stretch>
+            <a:fillRect/>
+          </a:stretch>
+        </p:blipFill>
+        <p:spPr>
+          <a:xfrm>
+            <a:off x="103422" y="1116915"/>
+            <a:ext cx="8937156" cy="5235394"/>
+          </a:xfrm>
+          <a:prstGeom prst="rect">
+            <a:avLst/>
+          </a:prstGeom>
+        </p:spPr>
+      </p:pic>
       <p:sp>
         <p:nvSpPr>
           <p:cNvPr id="2" name="바닥글 개체 틀 1"/>
@@ -5070,36 +5306,6 @@
           </a:p>
         </p:txBody>
       </p:sp>
-      <p:pic>
-        <p:nvPicPr>
-          <p:cNvPr id="5" name="그림 4">
-            <a:extLst>
-              <a:ext uri="{FF2B5EF4-FFF2-40B4-BE49-F238E27FC236}">
-                <a16:creationId xmlns:a16="http://schemas.microsoft.com/office/drawing/2014/main" id="{640A5C0F-203E-4D72-9CD6-42BE45FA3C73}"/>
-              </a:ext>
-            </a:extLst>
-          </p:cNvPr>
-          <p:cNvPicPr>
-            <a:picLocks noChangeAspect="1"/>
-          </p:cNvPicPr>
-          <p:nvPr/>
-        </p:nvPicPr>
-        <p:blipFill>
-          <a:blip r:embed="rId2"/>
-          <a:stretch>
-            <a:fillRect/>
-          </a:stretch>
-        </p:blipFill>
-        <p:spPr>
-          <a:xfrm>
-            <a:off x="159974" y="860575"/>
-            <a:ext cx="8836792" cy="5446608"/>
-          </a:xfrm>
-          <a:prstGeom prst="rect">
-            <a:avLst/>
-          </a:prstGeom>
-        </p:spPr>
-      </p:pic>
       <p:graphicFrame>
         <p:nvGraphicFramePr>
           <p:cNvPr id="6" name="표 5">
@@ -5409,7 +5615,7 @@
             <p:ph idx="1"/>
             <p:extLst>
               <p:ext uri="{D42A27DB-BD31-4B8C-83A1-F6EECF244321}">
-                <p14:modId xmlns:p14="http://schemas.microsoft.com/office/powerpoint/2010/main" val="2324234646"/>
+                <p14:modId xmlns:p14="http://schemas.microsoft.com/office/powerpoint/2010/main" val="4250171244"/>
               </p:ext>
             </p:extLst>
           </p:nvPr>
@@ -8316,6 +8522,42 @@
           <a:chExt cx="0" cy="0"/>
         </a:xfrm>
       </p:grpSpPr>
+      <p:pic>
+        <p:nvPicPr>
+          <p:cNvPr id="4" name="그림 3">
+            <a:extLst>
+              <a:ext uri="{FF2B5EF4-FFF2-40B4-BE49-F238E27FC236}">
+                <a16:creationId xmlns:a16="http://schemas.microsoft.com/office/drawing/2014/main" id="{39199237-3596-4EAF-B9C4-FFF82B04EB74}"/>
+              </a:ext>
+            </a:extLst>
+          </p:cNvPr>
+          <p:cNvPicPr>
+            <a:picLocks noChangeAspect="1"/>
+          </p:cNvPicPr>
+          <p:nvPr/>
+        </p:nvPicPr>
+        <p:blipFill>
+          <a:blip r:embed="rId2">
+            <a:extLst>
+              <a:ext uri="{28A0092B-C50C-407E-A947-70E740481C1C}">
+                <a14:useLocalDpi xmlns:a14="http://schemas.microsoft.com/office/drawing/2010/main" val="0"/>
+              </a:ext>
+            </a:extLst>
+          </a:blip>
+          <a:stretch>
+            <a:fillRect/>
+          </a:stretch>
+        </p:blipFill>
+        <p:spPr>
+          <a:xfrm>
+            <a:off x="113553" y="825836"/>
+            <a:ext cx="8916894" cy="5517091"/>
+          </a:xfrm>
+          <a:prstGeom prst="rect">
+            <a:avLst/>
+          </a:prstGeom>
+        </p:spPr>
+      </p:pic>
       <p:sp>
         <p:nvSpPr>
           <p:cNvPr id="2" name="바닥글 개체 틀 1"/>
@@ -8348,36 +8590,6 @@
           </a:p>
         </p:txBody>
       </p:sp>
-      <p:pic>
-        <p:nvPicPr>
-          <p:cNvPr id="7" name="그림 6">
-            <a:extLst>
-              <a:ext uri="{FF2B5EF4-FFF2-40B4-BE49-F238E27FC236}">
-                <a16:creationId xmlns:a16="http://schemas.microsoft.com/office/drawing/2014/main" id="{40F706D1-F5BF-4B4A-8627-37C58DFC5BC4}"/>
-              </a:ext>
-            </a:extLst>
-          </p:cNvPr>
-          <p:cNvPicPr>
-            <a:picLocks noChangeAspect="1"/>
-          </p:cNvPicPr>
-          <p:nvPr/>
-        </p:nvPicPr>
-        <p:blipFill>
-          <a:blip r:embed="rId2"/>
-          <a:stretch>
-            <a:fillRect/>
-          </a:stretch>
-        </p:blipFill>
-        <p:spPr>
-          <a:xfrm>
-            <a:off x="113553" y="825836"/>
-            <a:ext cx="8859966" cy="5536218"/>
-          </a:xfrm>
-          <a:prstGeom prst="rect">
-            <a:avLst/>
-          </a:prstGeom>
-        </p:spPr>
-      </p:pic>
       <p:graphicFrame>
         <p:nvGraphicFramePr>
           <p:cNvPr id="8" name="표 7">
@@ -8991,6 +9203,42 @@
           <a:chExt cx="0" cy="0"/>
         </a:xfrm>
       </p:grpSpPr>
+      <p:pic>
+        <p:nvPicPr>
+          <p:cNvPr id="4" name="그림 3">
+            <a:extLst>
+              <a:ext uri="{FF2B5EF4-FFF2-40B4-BE49-F238E27FC236}">
+                <a16:creationId xmlns:a16="http://schemas.microsoft.com/office/drawing/2014/main" id="{1138E945-A64F-4669-9AF4-4AD4B3E7E84A}"/>
+              </a:ext>
+            </a:extLst>
+          </p:cNvPr>
+          <p:cNvPicPr>
+            <a:picLocks noChangeAspect="1"/>
+          </p:cNvPicPr>
+          <p:nvPr/>
+        </p:nvPicPr>
+        <p:blipFill>
+          <a:blip r:embed="rId2">
+            <a:extLst>
+              <a:ext uri="{28A0092B-C50C-407E-A947-70E740481C1C}">
+                <a14:useLocalDpi xmlns:a14="http://schemas.microsoft.com/office/drawing/2010/main" val="0"/>
+              </a:ext>
+            </a:extLst>
+          </a:blip>
+          <a:stretch>
+            <a:fillRect/>
+          </a:stretch>
+        </p:blipFill>
+        <p:spPr>
+          <a:xfrm>
+            <a:off x="254832" y="1132554"/>
+            <a:ext cx="8780679" cy="5133336"/>
+          </a:xfrm>
+          <a:prstGeom prst="rect">
+            <a:avLst/>
+          </a:prstGeom>
+        </p:spPr>
+      </p:pic>
       <p:sp>
         <p:nvSpPr>
           <p:cNvPr id="2" name="바닥글 개체 틀 1"/>
@@ -9023,36 +9271,6 @@
           </a:p>
         </p:txBody>
       </p:sp>
-      <p:pic>
-        <p:nvPicPr>
-          <p:cNvPr id="10" name="그림 9">
-            <a:extLst>
-              <a:ext uri="{FF2B5EF4-FFF2-40B4-BE49-F238E27FC236}">
-                <a16:creationId xmlns:a16="http://schemas.microsoft.com/office/drawing/2014/main" id="{A7905B99-168E-4E44-9CED-2A0D62DF1F7D}"/>
-              </a:ext>
-            </a:extLst>
-          </p:cNvPr>
-          <p:cNvPicPr>
-            <a:picLocks noChangeAspect="1"/>
-          </p:cNvPicPr>
-          <p:nvPr/>
-        </p:nvPicPr>
-        <p:blipFill>
-          <a:blip r:embed="rId2"/>
-          <a:stretch>
-            <a:fillRect/>
-          </a:stretch>
-        </p:blipFill>
-        <p:spPr>
-          <a:xfrm>
-            <a:off x="123130" y="825975"/>
-            <a:ext cx="8912382" cy="5512831"/>
-          </a:xfrm>
-          <a:prstGeom prst="rect">
-            <a:avLst/>
-          </a:prstGeom>
-        </p:spPr>
-      </p:pic>
       <p:graphicFrame>
         <p:nvGraphicFramePr>
           <p:cNvPr id="11" name="표 10">
@@ -9206,6 +9424,42 @@
           <a:chExt cx="0" cy="0"/>
         </a:xfrm>
       </p:grpSpPr>
+      <p:pic>
+        <p:nvPicPr>
+          <p:cNvPr id="7" name="그림 6">
+            <a:extLst>
+              <a:ext uri="{FF2B5EF4-FFF2-40B4-BE49-F238E27FC236}">
+                <a16:creationId xmlns:a16="http://schemas.microsoft.com/office/drawing/2014/main" id="{AFB9766F-282A-4005-9F9D-460C4FC29511}"/>
+              </a:ext>
+            </a:extLst>
+          </p:cNvPr>
+          <p:cNvPicPr>
+            <a:picLocks noChangeAspect="1"/>
+          </p:cNvPicPr>
+          <p:nvPr/>
+        </p:nvPicPr>
+        <p:blipFill>
+          <a:blip r:embed="rId2">
+            <a:extLst>
+              <a:ext uri="{28A0092B-C50C-407E-A947-70E740481C1C}">
+                <a14:useLocalDpi xmlns:a14="http://schemas.microsoft.com/office/drawing/2010/main" val="0"/>
+              </a:ext>
+            </a:extLst>
+          </a:blip>
+          <a:stretch>
+            <a:fillRect/>
+          </a:stretch>
+        </p:blipFill>
+        <p:spPr>
+          <a:xfrm>
+            <a:off x="111171" y="825834"/>
+            <a:ext cx="8921658" cy="5485025"/>
+          </a:xfrm>
+          <a:prstGeom prst="rect">
+            <a:avLst/>
+          </a:prstGeom>
+        </p:spPr>
+      </p:pic>
       <p:sp>
         <p:nvSpPr>
           <p:cNvPr id="2" name="바닥글 개체 틀 1"/>
@@ -9361,36 +9615,6 @@
           </a:graphicData>
         </a:graphic>
       </p:graphicFrame>
-      <p:pic>
-        <p:nvPicPr>
-          <p:cNvPr id="5" name="그림 4">
-            <a:extLst>
-              <a:ext uri="{FF2B5EF4-FFF2-40B4-BE49-F238E27FC236}">
-                <a16:creationId xmlns:a16="http://schemas.microsoft.com/office/drawing/2014/main" id="{9A071CF2-160B-4B22-AA18-7FF23FD86F9A}"/>
-              </a:ext>
-            </a:extLst>
-          </p:cNvPr>
-          <p:cNvPicPr>
-            <a:picLocks noChangeAspect="1"/>
-          </p:cNvPicPr>
-          <p:nvPr/>
-        </p:nvPicPr>
-        <p:blipFill>
-          <a:blip r:embed="rId2"/>
-          <a:stretch>
-            <a:fillRect/>
-          </a:stretch>
-        </p:blipFill>
-        <p:spPr>
-          <a:xfrm>
-            <a:off x="111171" y="825835"/>
-            <a:ext cx="8921658" cy="5536219"/>
-          </a:xfrm>
-          <a:prstGeom prst="rect">
-            <a:avLst/>
-          </a:prstGeom>
-        </p:spPr>
-      </p:pic>
       <p:graphicFrame>
         <p:nvGraphicFramePr>
           <p:cNvPr id="6" name="표 5">
@@ -9544,6 +9768,42 @@
           <a:chExt cx="0" cy="0"/>
         </a:xfrm>
       </p:grpSpPr>
+      <p:pic>
+        <p:nvPicPr>
+          <p:cNvPr id="4" name="그림 3">
+            <a:extLst>
+              <a:ext uri="{FF2B5EF4-FFF2-40B4-BE49-F238E27FC236}">
+                <a16:creationId xmlns:a16="http://schemas.microsoft.com/office/drawing/2014/main" id="{A4A90CA6-E13B-43E5-81AE-CDC3750E6929}"/>
+              </a:ext>
+            </a:extLst>
+          </p:cNvPr>
+          <p:cNvPicPr>
+            <a:picLocks noChangeAspect="1"/>
+          </p:cNvPicPr>
+          <p:nvPr/>
+        </p:nvPicPr>
+        <p:blipFill>
+          <a:blip r:embed="rId2">
+            <a:extLst>
+              <a:ext uri="{28A0092B-C50C-407E-A947-70E740481C1C}">
+                <a14:useLocalDpi xmlns:a14="http://schemas.microsoft.com/office/drawing/2010/main" val="0"/>
+              </a:ext>
+            </a:extLst>
+          </a:blip>
+          <a:stretch>
+            <a:fillRect/>
+          </a:stretch>
+        </p:blipFill>
+        <p:spPr>
+          <a:xfrm>
+            <a:off x="224851" y="1077132"/>
+            <a:ext cx="8815725" cy="5273682"/>
+          </a:xfrm>
+          <a:prstGeom prst="rect">
+            <a:avLst/>
+          </a:prstGeom>
+        </p:spPr>
+      </p:pic>
       <p:sp>
         <p:nvSpPr>
           <p:cNvPr id="2" name="바닥글 개체 틀 1"/>
@@ -9576,36 +9836,6 @@
           </a:p>
         </p:txBody>
       </p:sp>
-      <p:pic>
-        <p:nvPicPr>
-          <p:cNvPr id="5" name="그림 4">
-            <a:extLst>
-              <a:ext uri="{FF2B5EF4-FFF2-40B4-BE49-F238E27FC236}">
-                <a16:creationId xmlns:a16="http://schemas.microsoft.com/office/drawing/2014/main" id="{687ED215-E608-48E7-A2D5-B42B146B89C5}"/>
-              </a:ext>
-            </a:extLst>
-          </p:cNvPr>
-          <p:cNvPicPr>
-            <a:picLocks noChangeAspect="1"/>
-          </p:cNvPicPr>
-          <p:nvPr/>
-        </p:nvPicPr>
-        <p:blipFill>
-          <a:blip r:embed="rId2"/>
-          <a:stretch>
-            <a:fillRect/>
-          </a:stretch>
-        </p:blipFill>
-        <p:spPr>
-          <a:xfrm>
-            <a:off x="122798" y="836909"/>
-            <a:ext cx="8889466" cy="5447654"/>
-          </a:xfrm>
-          <a:prstGeom prst="rect">
-            <a:avLst/>
-          </a:prstGeom>
-        </p:spPr>
-      </p:pic>
       <p:graphicFrame>
         <p:nvGraphicFramePr>
           <p:cNvPr id="6" name="표 5">
@@ -9759,6 +9989,42 @@
           <a:chExt cx="0" cy="0"/>
         </a:xfrm>
       </p:grpSpPr>
+      <p:pic>
+        <p:nvPicPr>
+          <p:cNvPr id="4" name="그림 3">
+            <a:extLst>
+              <a:ext uri="{FF2B5EF4-FFF2-40B4-BE49-F238E27FC236}">
+                <a16:creationId xmlns:a16="http://schemas.microsoft.com/office/drawing/2014/main" id="{82C69F38-99FE-4809-8AFC-B65126FC531A}"/>
+              </a:ext>
+            </a:extLst>
+          </p:cNvPr>
+          <p:cNvPicPr>
+            <a:picLocks noChangeAspect="1"/>
+          </p:cNvPicPr>
+          <p:nvPr/>
+        </p:nvPicPr>
+        <p:blipFill>
+          <a:blip r:embed="rId2">
+            <a:extLst>
+              <a:ext uri="{28A0092B-C50C-407E-A947-70E740481C1C}">
+                <a14:useLocalDpi xmlns:a14="http://schemas.microsoft.com/office/drawing/2010/main" val="0"/>
+              </a:ext>
+            </a:extLst>
+          </a:blip>
+          <a:stretch>
+            <a:fillRect/>
+          </a:stretch>
+        </p:blipFill>
+        <p:spPr>
+          <a:xfrm>
+            <a:off x="111170" y="1132413"/>
+            <a:ext cx="8921660" cy="5331886"/>
+          </a:xfrm>
+          <a:prstGeom prst="rect">
+            <a:avLst/>
+          </a:prstGeom>
+        </p:spPr>
+      </p:pic>
       <p:sp>
         <p:nvSpPr>
           <p:cNvPr id="2" name="바닥글 개체 틀 1"/>
@@ -9791,36 +10057,6 @@
           </a:p>
         </p:txBody>
       </p:sp>
-      <p:pic>
-        <p:nvPicPr>
-          <p:cNvPr id="5" name="그림 4">
-            <a:extLst>
-              <a:ext uri="{FF2B5EF4-FFF2-40B4-BE49-F238E27FC236}">
-                <a16:creationId xmlns:a16="http://schemas.microsoft.com/office/drawing/2014/main" id="{BB7FF7B1-3076-4475-8DEF-45D10A05B340}"/>
-              </a:ext>
-            </a:extLst>
-          </p:cNvPr>
-          <p:cNvPicPr>
-            <a:picLocks noChangeAspect="1"/>
-          </p:cNvPicPr>
-          <p:nvPr/>
-        </p:nvPicPr>
-        <p:blipFill>
-          <a:blip r:embed="rId2"/>
-          <a:stretch>
-            <a:fillRect/>
-          </a:stretch>
-        </p:blipFill>
-        <p:spPr>
-          <a:xfrm>
-            <a:off x="111869" y="836909"/>
-            <a:ext cx="8900395" cy="5533736"/>
-          </a:xfrm>
-          <a:prstGeom prst="rect">
-            <a:avLst/>
-          </a:prstGeom>
-        </p:spPr>
-      </p:pic>
       <p:graphicFrame>
         <p:nvGraphicFramePr>
           <p:cNvPr id="6" name="표 5">
@@ -9974,6 +10210,42 @@
           <a:chExt cx="0" cy="0"/>
         </a:xfrm>
       </p:grpSpPr>
+      <p:pic>
+        <p:nvPicPr>
+          <p:cNvPr id="4" name="그림 3">
+            <a:extLst>
+              <a:ext uri="{FF2B5EF4-FFF2-40B4-BE49-F238E27FC236}">
+                <a16:creationId xmlns:a16="http://schemas.microsoft.com/office/drawing/2014/main" id="{FC8399DD-22ED-45F8-BD16-4A0F2EC0865A}"/>
+              </a:ext>
+            </a:extLst>
+          </p:cNvPr>
+          <p:cNvPicPr>
+            <a:picLocks noChangeAspect="1"/>
+          </p:cNvPicPr>
+          <p:nvPr/>
+        </p:nvPicPr>
+        <p:blipFill>
+          <a:blip r:embed="rId2">
+            <a:extLst>
+              <a:ext uri="{28A0092B-C50C-407E-A947-70E740481C1C}">
+                <a14:useLocalDpi xmlns:a14="http://schemas.microsoft.com/office/drawing/2010/main" val="0"/>
+              </a:ext>
+            </a:extLst>
+          </a:blip>
+          <a:stretch>
+            <a:fillRect/>
+          </a:stretch>
+        </p:blipFill>
+        <p:spPr>
+          <a:xfrm>
+            <a:off x="103421" y="1185332"/>
+            <a:ext cx="8937158" cy="5140517"/>
+          </a:xfrm>
+          <a:prstGeom prst="rect">
+            <a:avLst/>
+          </a:prstGeom>
+        </p:spPr>
+      </p:pic>
       <p:sp>
         <p:nvSpPr>
           <p:cNvPr id="2" name="바닥글 개체 틀 1"/>
@@ -10006,36 +10278,6 @@
           </a:p>
         </p:txBody>
       </p:sp>
-      <p:pic>
-        <p:nvPicPr>
-          <p:cNvPr id="5" name="그림 4">
-            <a:extLst>
-              <a:ext uri="{FF2B5EF4-FFF2-40B4-BE49-F238E27FC236}">
-                <a16:creationId xmlns:a16="http://schemas.microsoft.com/office/drawing/2014/main" id="{5741FF3A-101B-44DC-82A7-D084BB569754}"/>
-              </a:ext>
-            </a:extLst>
-          </p:cNvPr>
-          <p:cNvPicPr>
-            <a:picLocks noChangeAspect="1"/>
-          </p:cNvPicPr>
-          <p:nvPr/>
-        </p:nvPicPr>
-        <p:blipFill>
-          <a:blip r:embed="rId2"/>
-          <a:stretch>
-            <a:fillRect/>
-          </a:stretch>
-        </p:blipFill>
-        <p:spPr>
-          <a:xfrm>
-            <a:off x="150229" y="836907"/>
-            <a:ext cx="8877534" cy="5509649"/>
-          </a:xfrm>
-          <a:prstGeom prst="rect">
-            <a:avLst/>
-          </a:prstGeom>
-        </p:spPr>
-      </p:pic>
       <p:graphicFrame>
         <p:nvGraphicFramePr>
           <p:cNvPr id="6" name="표 5">
